--- a/image/Presentation1.pptx
+++ b/image/Presentation1.pptx
@@ -6,6 +6,8 @@
   </p:sldMasterIdLst>
   <p:sldIdLst>
     <p:sldId id="256" r:id="rId2"/>
+    <p:sldId id="258" r:id="rId3"/>
+    <p:sldId id="259" r:id="rId4"/>
   </p:sldIdLst>
   <p:sldSz cx="12192000" cy="6858000"/>
   <p:notesSz cx="6858000" cy="9144000"/>
@@ -115,24 +117,120 @@
 <file path=ppt/changesInfos/changesInfo1.xml><?xml version="1.0" encoding="utf-8"?>
 <pc:chgInfo xmlns:a="http://schemas.openxmlformats.org/drawingml/2006/main" xmlns:r="http://schemas.openxmlformats.org/officeDocument/2006/relationships" xmlns:ac="http://schemas.microsoft.com/office/drawing/2013/main/command" xmlns:pc="http://schemas.microsoft.com/office/powerpoint/2013/main/command">
   <pc:docChgLst>
+    <pc:chgData name="Ehteshami, Zahra [DPYGB]" userId="022addb2-7b4d-46b3-aba8-09b15116b59c" providerId="ADAL" clId="{7AAFCED6-8F0C-46D8-B25F-2833AFE94884}"/>
+    <pc:docChg chg="undo custSel modSld">
+      <pc:chgData name="Ehteshami, Zahra [DPYGB]" userId="022addb2-7b4d-46b3-aba8-09b15116b59c" providerId="ADAL" clId="{7AAFCED6-8F0C-46D8-B25F-2833AFE94884}" dt="2024-05-31T13:45:14.429" v="41" actId="478"/>
+      <pc:docMkLst>
+        <pc:docMk/>
+      </pc:docMkLst>
+      <pc:sldChg chg="addSp delSp modSp mod">
+        <pc:chgData name="Ehteshami, Zahra [DPYGB]" userId="022addb2-7b4d-46b3-aba8-09b15116b59c" providerId="ADAL" clId="{7AAFCED6-8F0C-46D8-B25F-2833AFE94884}" dt="2024-05-31T13:45:14.429" v="41" actId="478"/>
+        <pc:sldMkLst>
+          <pc:docMk/>
+          <pc:sldMk cId="2464750461" sldId="256"/>
+        </pc:sldMkLst>
+        <pc:grpChg chg="mod">
+          <ac:chgData name="Ehteshami, Zahra [DPYGB]" userId="022addb2-7b4d-46b3-aba8-09b15116b59c" providerId="ADAL" clId="{7AAFCED6-8F0C-46D8-B25F-2833AFE94884}" dt="2024-05-31T13:39:56.589" v="35" actId="164"/>
+          <ac:grpSpMkLst>
+            <pc:docMk/>
+            <pc:sldMk cId="2464750461" sldId="256"/>
+            <ac:grpSpMk id="10" creationId="{6A2C1FDD-0FB5-4B91-A8F3-3F089EEE3E67}"/>
+          </ac:grpSpMkLst>
+        </pc:grpChg>
+        <pc:grpChg chg="add mod">
+          <ac:chgData name="Ehteshami, Zahra [DPYGB]" userId="022addb2-7b4d-46b3-aba8-09b15116b59c" providerId="ADAL" clId="{7AAFCED6-8F0C-46D8-B25F-2833AFE94884}" dt="2024-05-31T13:39:56.589" v="35" actId="164"/>
+          <ac:grpSpMkLst>
+            <pc:docMk/>
+            <pc:sldMk cId="2464750461" sldId="256"/>
+            <ac:grpSpMk id="21" creationId="{5272C1A5-0A6A-DCAB-15C7-AD1AACC1F5FD}"/>
+          </ac:grpSpMkLst>
+        </pc:grpChg>
+        <pc:picChg chg="mod">
+          <ac:chgData name="Ehteshami, Zahra [DPYGB]" userId="022addb2-7b4d-46b3-aba8-09b15116b59c" providerId="ADAL" clId="{7AAFCED6-8F0C-46D8-B25F-2833AFE94884}" dt="2024-05-31T13:39:04.692" v="29" actId="1076"/>
+          <ac:picMkLst>
+            <pc:docMk/>
+            <pc:sldMk cId="2464750461" sldId="256"/>
+            <ac:picMk id="7" creationId="{345C5C5F-ABE1-4CAF-8249-021AFA8C7E21}"/>
+          </ac:picMkLst>
+        </pc:picChg>
+        <pc:picChg chg="mod">
+          <ac:chgData name="Ehteshami, Zahra [DPYGB]" userId="022addb2-7b4d-46b3-aba8-09b15116b59c" providerId="ADAL" clId="{7AAFCED6-8F0C-46D8-B25F-2833AFE94884}" dt="2024-05-31T13:37:51.652" v="1" actId="1076"/>
+          <ac:picMkLst>
+            <pc:docMk/>
+            <pc:sldMk cId="2464750461" sldId="256"/>
+            <ac:picMk id="9" creationId="{CEB4F4A8-62B5-42F5-BE76-2C747E59A995}"/>
+          </ac:picMkLst>
+        </pc:picChg>
+        <pc:picChg chg="add mod">
+          <ac:chgData name="Ehteshami, Zahra [DPYGB]" userId="022addb2-7b4d-46b3-aba8-09b15116b59c" providerId="ADAL" clId="{7AAFCED6-8F0C-46D8-B25F-2833AFE94884}" dt="2024-05-31T13:39:56.589" v="35" actId="164"/>
+          <ac:picMkLst>
+            <pc:docMk/>
+            <pc:sldMk cId="2464750461" sldId="256"/>
+            <ac:picMk id="12" creationId="{8CF60362-4370-F014-0FB8-DCB66F88BCEE}"/>
+          </ac:picMkLst>
+        </pc:picChg>
+        <pc:picChg chg="add mod">
+          <ac:chgData name="Ehteshami, Zahra [DPYGB]" userId="022addb2-7b4d-46b3-aba8-09b15116b59c" providerId="ADAL" clId="{7AAFCED6-8F0C-46D8-B25F-2833AFE94884}" dt="2024-05-31T13:39:56.589" v="35" actId="164"/>
+          <ac:picMkLst>
+            <pc:docMk/>
+            <pc:sldMk cId="2464750461" sldId="256"/>
+            <ac:picMk id="16" creationId="{441FDA45-4C79-7B87-18B1-F740CBF06FAE}"/>
+          </ac:picMkLst>
+        </pc:picChg>
+        <pc:picChg chg="mod">
+          <ac:chgData name="Ehteshami, Zahra [DPYGB]" userId="022addb2-7b4d-46b3-aba8-09b15116b59c" providerId="ADAL" clId="{7AAFCED6-8F0C-46D8-B25F-2833AFE94884}" dt="2024-05-31T13:38:42.471" v="19" actId="14100"/>
+          <ac:picMkLst>
+            <pc:docMk/>
+            <pc:sldMk cId="2464750461" sldId="256"/>
+            <ac:picMk id="17" creationId="{69D26714-6270-49DB-BFE6-35F46808CCEF}"/>
+          </ac:picMkLst>
+        </pc:picChg>
+        <pc:picChg chg="add mod ord">
+          <ac:chgData name="Ehteshami, Zahra [DPYGB]" userId="022addb2-7b4d-46b3-aba8-09b15116b59c" providerId="ADAL" clId="{7AAFCED6-8F0C-46D8-B25F-2833AFE94884}" dt="2024-05-31T13:39:56.589" v="35" actId="164"/>
+          <ac:picMkLst>
+            <pc:docMk/>
+            <pc:sldMk cId="2464750461" sldId="256"/>
+            <ac:picMk id="20" creationId="{670FAE8A-B10F-8E08-46F8-B8BF7FC27EF9}"/>
+          </ac:picMkLst>
+        </pc:picChg>
+        <pc:picChg chg="add del mod">
+          <ac:chgData name="Ehteshami, Zahra [DPYGB]" userId="022addb2-7b4d-46b3-aba8-09b15116b59c" providerId="ADAL" clId="{7AAFCED6-8F0C-46D8-B25F-2833AFE94884}" dt="2024-05-31T13:45:14.429" v="41" actId="478"/>
+          <ac:picMkLst>
+            <pc:docMk/>
+            <pc:sldMk cId="2464750461" sldId="256"/>
+            <ac:picMk id="23" creationId="{F5B284F3-1E49-9781-8ACC-6E0887028FB9}"/>
+          </ac:picMkLst>
+        </pc:picChg>
+      </pc:sldChg>
+    </pc:docChg>
+  </pc:docChgLst>
+  <pc:docChgLst>
     <pc:chgData name="Ehteshami, Zahra [DPYGB]" userId="022addb2-7b4d-46b3-aba8-09b15116b59c" providerId="ADAL" clId="{409598CA-F242-4A96-9AFE-DECC1DB40083}"/>
-    <pc:docChg chg="undo custSel modSld">
-      <pc:chgData name="Ehteshami, Zahra [DPYGB]" userId="022addb2-7b4d-46b3-aba8-09b15116b59c" providerId="ADAL" clId="{409598CA-F242-4A96-9AFE-DECC1DB40083}" dt="2022-04-07T23:27:24.612" v="63" actId="2085"/>
+    <pc:docChg chg="undo custSel addSld delSld modSld">
+      <pc:chgData name="Ehteshami, Zahra [DPYGB]" userId="022addb2-7b4d-46b3-aba8-09b15116b59c" providerId="ADAL" clId="{409598CA-F242-4A96-9AFE-DECC1DB40083}" dt="2022-05-18T19:15:12.320" v="245" actId="1076"/>
       <pc:docMkLst>
         <pc:docMk/>
       </pc:docMkLst>
       <pc:sldChg chg="addSp modSp mod">
-        <pc:chgData name="Ehteshami, Zahra [DPYGB]" userId="022addb2-7b4d-46b3-aba8-09b15116b59c" providerId="ADAL" clId="{409598CA-F242-4A96-9AFE-DECC1DB40083}" dt="2022-04-07T23:27:24.612" v="63" actId="2085"/>
+        <pc:chgData name="Ehteshami, Zahra [DPYGB]" userId="022addb2-7b4d-46b3-aba8-09b15116b59c" providerId="ADAL" clId="{409598CA-F242-4A96-9AFE-DECC1DB40083}" dt="2022-05-18T19:15:12.320" v="245" actId="1076"/>
         <pc:sldMkLst>
           <pc:docMk/>
           <pc:sldMk cId="2464750461" sldId="256"/>
         </pc:sldMkLst>
         <pc:grpChg chg="add mod">
-          <ac:chgData name="Ehteshami, Zahra [DPYGB]" userId="022addb2-7b4d-46b3-aba8-09b15116b59c" providerId="ADAL" clId="{409598CA-F242-4A96-9AFE-DECC1DB40083}" dt="2022-04-07T23:24:55.217" v="58" actId="1076"/>
+          <ac:chgData name="Ehteshami, Zahra [DPYGB]" userId="022addb2-7b4d-46b3-aba8-09b15116b59c" providerId="ADAL" clId="{409598CA-F242-4A96-9AFE-DECC1DB40083}" dt="2022-05-18T14:40:04.718" v="76" actId="164"/>
           <ac:grpSpMkLst>
             <pc:docMk/>
             <pc:sldMk cId="2464750461" sldId="256"/>
             <ac:grpSpMk id="8" creationId="{384F99CA-E330-47D1-8DB5-7479D7CDD351}"/>
+          </ac:grpSpMkLst>
+        </pc:grpChg>
+        <pc:grpChg chg="add mod">
+          <ac:chgData name="Ehteshami, Zahra [DPYGB]" userId="022addb2-7b4d-46b3-aba8-09b15116b59c" providerId="ADAL" clId="{409598CA-F242-4A96-9AFE-DECC1DB40083}" dt="2022-05-18T19:15:12.320" v="245" actId="1076"/>
+          <ac:grpSpMkLst>
+            <pc:docMk/>
+            <pc:sldMk cId="2464750461" sldId="256"/>
+            <ac:grpSpMk id="10" creationId="{6A2C1FDD-0FB5-4B91-A8F3-3F089EEE3E67}"/>
           </ac:grpSpMkLst>
         </pc:grpChg>
         <pc:grpChg chg="mod">
@@ -149,6 +247,14 @@
             <pc:docMk/>
             <pc:sldMk cId="2464750461" sldId="256"/>
             <ac:picMk id="3" creationId="{9FD7273A-DC21-4558-8041-B0DF95CCF9D2}"/>
+          </ac:picMkLst>
+        </pc:picChg>
+        <pc:picChg chg="add mod modCrop">
+          <ac:chgData name="Ehteshami, Zahra [DPYGB]" userId="022addb2-7b4d-46b3-aba8-09b15116b59c" providerId="ADAL" clId="{409598CA-F242-4A96-9AFE-DECC1DB40083}" dt="2022-05-18T14:40:04.718" v="76" actId="164"/>
+          <ac:picMkLst>
+            <pc:docMk/>
+            <pc:sldMk cId="2464750461" sldId="256"/>
+            <ac:picMk id="4" creationId="{7D20DA7C-7F12-414A-9491-AC4CFC1BC7DF}"/>
           </ac:picMkLst>
         </pc:picChg>
         <pc:picChg chg="mod">
@@ -216,6 +322,305 @@
           </ac:picMkLst>
         </pc:picChg>
       </pc:sldChg>
+      <pc:sldChg chg="new del">
+        <pc:chgData name="Ehteshami, Zahra [DPYGB]" userId="022addb2-7b4d-46b3-aba8-09b15116b59c" providerId="ADAL" clId="{409598CA-F242-4A96-9AFE-DECC1DB40083}" dt="2022-05-18T14:40:29.420" v="82" actId="47"/>
+        <pc:sldMkLst>
+          <pc:docMk/>
+          <pc:sldMk cId="1030383131" sldId="257"/>
+        </pc:sldMkLst>
+      </pc:sldChg>
+      <pc:sldChg chg="addSp delSp modSp add mod">
+        <pc:chgData name="Ehteshami, Zahra [DPYGB]" userId="022addb2-7b4d-46b3-aba8-09b15116b59c" providerId="ADAL" clId="{409598CA-F242-4A96-9AFE-DECC1DB40083}" dt="2022-05-18T14:47:50.341" v="241" actId="164"/>
+        <pc:sldMkLst>
+          <pc:docMk/>
+          <pc:sldMk cId="1432810053" sldId="258"/>
+        </pc:sldMkLst>
+        <pc:spChg chg="add mod">
+          <ac:chgData name="Ehteshami, Zahra [DPYGB]" userId="022addb2-7b4d-46b3-aba8-09b15116b59c" providerId="ADAL" clId="{409598CA-F242-4A96-9AFE-DECC1DB40083}" dt="2022-05-18T14:42:26.051" v="165" actId="164"/>
+          <ac:spMkLst>
+            <pc:docMk/>
+            <pc:sldMk cId="1432810053" sldId="258"/>
+            <ac:spMk id="12" creationId="{C61913D5-DA31-437C-A35E-42C4D090CC15}"/>
+          </ac:spMkLst>
+        </pc:spChg>
+        <pc:spChg chg="add mod ord">
+          <ac:chgData name="Ehteshami, Zahra [DPYGB]" userId="022addb2-7b4d-46b3-aba8-09b15116b59c" providerId="ADAL" clId="{409598CA-F242-4A96-9AFE-DECC1DB40083}" dt="2022-05-18T14:47:50.341" v="241" actId="164"/>
+          <ac:spMkLst>
+            <pc:docMk/>
+            <pc:sldMk cId="1432810053" sldId="258"/>
+            <ac:spMk id="16" creationId="{EC80748D-17DB-43C1-B007-61093DDAA108}"/>
+          </ac:spMkLst>
+        </pc:spChg>
+        <pc:grpChg chg="add mod">
+          <ac:chgData name="Ehteshami, Zahra [DPYGB]" userId="022addb2-7b4d-46b3-aba8-09b15116b59c" providerId="ADAL" clId="{409598CA-F242-4A96-9AFE-DECC1DB40083}" dt="2022-05-18T14:42:26.051" v="165" actId="164"/>
+          <ac:grpSpMkLst>
+            <pc:docMk/>
+            <pc:sldMk cId="1432810053" sldId="258"/>
+            <ac:grpSpMk id="2" creationId="{711211F3-307E-4BF3-8866-EFDFF7788C16}"/>
+          </ac:grpSpMkLst>
+        </pc:grpChg>
+        <pc:grpChg chg="del mod topLvl">
+          <ac:chgData name="Ehteshami, Zahra [DPYGB]" userId="022addb2-7b4d-46b3-aba8-09b15116b59c" providerId="ADAL" clId="{409598CA-F242-4A96-9AFE-DECC1DB40083}" dt="2022-05-18T14:40:22.672" v="80" actId="165"/>
+          <ac:grpSpMkLst>
+            <pc:docMk/>
+            <pc:sldMk cId="1432810053" sldId="258"/>
+            <ac:grpSpMk id="8" creationId="{384F99CA-E330-47D1-8DB5-7479D7CDD351}"/>
+          </ac:grpSpMkLst>
+        </pc:grpChg>
+        <pc:grpChg chg="del">
+          <ac:chgData name="Ehteshami, Zahra [DPYGB]" userId="022addb2-7b4d-46b3-aba8-09b15116b59c" providerId="ADAL" clId="{409598CA-F242-4A96-9AFE-DECC1DB40083}" dt="2022-05-18T14:40:20.489" v="79" actId="165"/>
+          <ac:grpSpMkLst>
+            <pc:docMk/>
+            <pc:sldMk cId="1432810053" sldId="258"/>
+            <ac:grpSpMk id="10" creationId="{6A2C1FDD-0FB5-4B91-A8F3-3F089EEE3E67}"/>
+          </ac:grpSpMkLst>
+        </pc:grpChg>
+        <pc:grpChg chg="add mod">
+          <ac:chgData name="Ehteshami, Zahra [DPYGB]" userId="022addb2-7b4d-46b3-aba8-09b15116b59c" providerId="ADAL" clId="{409598CA-F242-4A96-9AFE-DECC1DB40083}" dt="2022-05-18T14:47:50.341" v="241" actId="164"/>
+          <ac:grpSpMkLst>
+            <pc:docMk/>
+            <pc:sldMk cId="1432810053" sldId="258"/>
+            <ac:grpSpMk id="14" creationId="{7B0519C1-77E2-4B62-80D6-0B877CF73657}"/>
+          </ac:grpSpMkLst>
+        </pc:grpChg>
+        <pc:grpChg chg="del mod topLvl">
+          <ac:chgData name="Ehteshami, Zahra [DPYGB]" userId="022addb2-7b4d-46b3-aba8-09b15116b59c" providerId="ADAL" clId="{409598CA-F242-4A96-9AFE-DECC1DB40083}" dt="2022-05-18T14:40:24.900" v="81" actId="165"/>
+          <ac:grpSpMkLst>
+            <pc:docMk/>
+            <pc:sldMk cId="1432810053" sldId="258"/>
+            <ac:grpSpMk id="18" creationId="{23D3B969-8FFB-44C2-98D7-BDAA6DD7E992}"/>
+          </ac:grpSpMkLst>
+        </pc:grpChg>
+        <pc:grpChg chg="add mod">
+          <ac:chgData name="Ehteshami, Zahra [DPYGB]" userId="022addb2-7b4d-46b3-aba8-09b15116b59c" providerId="ADAL" clId="{409598CA-F242-4A96-9AFE-DECC1DB40083}" dt="2022-05-18T14:47:50.341" v="241" actId="164"/>
+          <ac:grpSpMkLst>
+            <pc:docMk/>
+            <pc:sldMk cId="1432810053" sldId="258"/>
+            <ac:grpSpMk id="19" creationId="{41368699-DFD1-4BEA-8735-6AE05F806C2D}"/>
+          </ac:grpSpMkLst>
+        </pc:grpChg>
+        <pc:picChg chg="del mod topLvl">
+          <ac:chgData name="Ehteshami, Zahra [DPYGB]" userId="022addb2-7b4d-46b3-aba8-09b15116b59c" providerId="ADAL" clId="{409598CA-F242-4A96-9AFE-DECC1DB40083}" dt="2022-05-18T14:41:06.890" v="93" actId="478"/>
+          <ac:picMkLst>
+            <pc:docMk/>
+            <pc:sldMk cId="1432810053" sldId="258"/>
+            <ac:picMk id="3" creationId="{9FD7273A-DC21-4558-8041-B0DF95CCF9D2}"/>
+          </ac:picMkLst>
+        </pc:picChg>
+        <pc:picChg chg="mod topLvl">
+          <ac:chgData name="Ehteshami, Zahra [DPYGB]" userId="022addb2-7b4d-46b3-aba8-09b15116b59c" providerId="ADAL" clId="{409598CA-F242-4A96-9AFE-DECC1DB40083}" dt="2022-05-18T14:42:18.522" v="163" actId="1076"/>
+          <ac:picMkLst>
+            <pc:docMk/>
+            <pc:sldMk cId="1432810053" sldId="258"/>
+            <ac:picMk id="4" creationId="{7D20DA7C-7F12-414A-9491-AC4CFC1BC7DF}"/>
+          </ac:picMkLst>
+        </pc:picChg>
+        <pc:picChg chg="del mod topLvl">
+          <ac:chgData name="Ehteshami, Zahra [DPYGB]" userId="022addb2-7b4d-46b3-aba8-09b15116b59c" providerId="ADAL" clId="{409598CA-F242-4A96-9AFE-DECC1DB40083}" dt="2022-05-18T14:40:53.071" v="86" actId="478"/>
+          <ac:picMkLst>
+            <pc:docMk/>
+            <pc:sldMk cId="1432810053" sldId="258"/>
+            <ac:picMk id="5" creationId="{9C150254-37A5-4C68-BBC4-F65478FF223E}"/>
+          </ac:picMkLst>
+        </pc:picChg>
+        <pc:picChg chg="del mod topLvl">
+          <ac:chgData name="Ehteshami, Zahra [DPYGB]" userId="022addb2-7b4d-46b3-aba8-09b15116b59c" providerId="ADAL" clId="{409598CA-F242-4A96-9AFE-DECC1DB40083}" dt="2022-05-18T14:41:07.454" v="94" actId="478"/>
+          <ac:picMkLst>
+            <pc:docMk/>
+            <pc:sldMk cId="1432810053" sldId="258"/>
+            <ac:picMk id="6" creationId="{77811F2E-29C9-48FA-88FF-25DBB5B6CB18}"/>
+          </ac:picMkLst>
+        </pc:picChg>
+        <pc:picChg chg="del mod topLvl">
+          <ac:chgData name="Ehteshami, Zahra [DPYGB]" userId="022addb2-7b4d-46b3-aba8-09b15116b59c" providerId="ADAL" clId="{409598CA-F242-4A96-9AFE-DECC1DB40083}" dt="2022-05-18T14:40:54.125" v="87" actId="478"/>
+          <ac:picMkLst>
+            <pc:docMk/>
+            <pc:sldMk cId="1432810053" sldId="258"/>
+            <ac:picMk id="7" creationId="{345C5C5F-ABE1-4CAF-8249-021AFA8C7E21}"/>
+          </ac:picMkLst>
+        </pc:picChg>
+        <pc:picChg chg="mod topLvl">
+          <ac:chgData name="Ehteshami, Zahra [DPYGB]" userId="022addb2-7b4d-46b3-aba8-09b15116b59c" providerId="ADAL" clId="{409598CA-F242-4A96-9AFE-DECC1DB40083}" dt="2022-05-18T14:42:16.728" v="162" actId="1076"/>
+          <ac:picMkLst>
+            <pc:docMk/>
+            <pc:sldMk cId="1432810053" sldId="258"/>
+            <ac:picMk id="9" creationId="{CEB4F4A8-62B5-42F5-BE76-2C747E59A995}"/>
+          </ac:picMkLst>
+        </pc:picChg>
+        <pc:picChg chg="del mod topLvl">
+          <ac:chgData name="Ehteshami, Zahra [DPYGB]" userId="022addb2-7b4d-46b3-aba8-09b15116b59c" providerId="ADAL" clId="{409598CA-F242-4A96-9AFE-DECC1DB40083}" dt="2022-05-18T14:41:13.411" v="98" actId="478"/>
+          <ac:picMkLst>
+            <pc:docMk/>
+            <pc:sldMk cId="1432810053" sldId="258"/>
+            <ac:picMk id="11" creationId="{69EBBEDF-9D9A-40AD-9323-19E6E6FD844E}"/>
+          </ac:picMkLst>
+        </pc:picChg>
+        <pc:picChg chg="del mod topLvl">
+          <ac:chgData name="Ehteshami, Zahra [DPYGB]" userId="022addb2-7b4d-46b3-aba8-09b15116b59c" providerId="ADAL" clId="{409598CA-F242-4A96-9AFE-DECC1DB40083}" dt="2022-05-18T14:40:53.071" v="86" actId="478"/>
+          <ac:picMkLst>
+            <pc:docMk/>
+            <pc:sldMk cId="1432810053" sldId="258"/>
+            <ac:picMk id="13" creationId="{DA568784-1A71-4D85-AE2D-A7F4FE5FA2E0}"/>
+          </ac:picMkLst>
+        </pc:picChg>
+        <pc:picChg chg="del mod topLvl">
+          <ac:chgData name="Ehteshami, Zahra [DPYGB]" userId="022addb2-7b4d-46b3-aba8-09b15116b59c" providerId="ADAL" clId="{409598CA-F242-4A96-9AFE-DECC1DB40083}" dt="2022-05-18T14:41:08.634" v="95" actId="478"/>
+          <ac:picMkLst>
+            <pc:docMk/>
+            <pc:sldMk cId="1432810053" sldId="258"/>
+            <ac:picMk id="15" creationId="{1AA8AB8B-B32D-4A4E-A066-F804EABC53B6}"/>
+          </ac:picMkLst>
+        </pc:picChg>
+        <pc:picChg chg="mod topLvl">
+          <ac:chgData name="Ehteshami, Zahra [DPYGB]" userId="022addb2-7b4d-46b3-aba8-09b15116b59c" providerId="ADAL" clId="{409598CA-F242-4A96-9AFE-DECC1DB40083}" dt="2022-05-18T14:42:20.120" v="164" actId="1076"/>
+          <ac:picMkLst>
+            <pc:docMk/>
+            <pc:sldMk cId="1432810053" sldId="258"/>
+            <ac:picMk id="17" creationId="{69D26714-6270-49DB-BFE6-35F46808CCEF}"/>
+          </ac:picMkLst>
+        </pc:picChg>
+      </pc:sldChg>
+      <pc:sldChg chg="addSp delSp modSp add mod">
+        <pc:chgData name="Ehteshami, Zahra [DPYGB]" userId="022addb2-7b4d-46b3-aba8-09b15116b59c" providerId="ADAL" clId="{409598CA-F242-4A96-9AFE-DECC1DB40083}" dt="2022-05-18T18:54:10.616" v="244" actId="20577"/>
+        <pc:sldMkLst>
+          <pc:docMk/>
+          <pc:sldMk cId="2223590909" sldId="259"/>
+        </pc:sldMkLst>
+        <pc:spChg chg="add mod ord">
+          <ac:chgData name="Ehteshami, Zahra [DPYGB]" userId="022addb2-7b4d-46b3-aba8-09b15116b59c" providerId="ADAL" clId="{409598CA-F242-4A96-9AFE-DECC1DB40083}" dt="2022-05-18T14:47:13.076" v="236" actId="164"/>
+          <ac:spMkLst>
+            <pc:docMk/>
+            <pc:sldMk cId="2223590909" sldId="259"/>
+            <ac:spMk id="12" creationId="{9E040B73-531E-4A3B-AEF7-AA8DAD28266B}"/>
+          </ac:spMkLst>
+        </pc:spChg>
+        <pc:spChg chg="add mod">
+          <ac:chgData name="Ehteshami, Zahra [DPYGB]" userId="022addb2-7b4d-46b3-aba8-09b15116b59c" providerId="ADAL" clId="{409598CA-F242-4A96-9AFE-DECC1DB40083}" dt="2022-05-18T18:54:10.616" v="244" actId="20577"/>
+          <ac:spMkLst>
+            <pc:docMk/>
+            <pc:sldMk cId="2223590909" sldId="259"/>
+            <ac:spMk id="14" creationId="{1D3F1385-0A56-4ECD-8139-A6F9ED1E6595}"/>
+          </ac:spMkLst>
+        </pc:spChg>
+        <pc:grpChg chg="add mod">
+          <ac:chgData name="Ehteshami, Zahra [DPYGB]" userId="022addb2-7b4d-46b3-aba8-09b15116b59c" providerId="ADAL" clId="{409598CA-F242-4A96-9AFE-DECC1DB40083}" dt="2022-05-18T14:47:13.076" v="236" actId="164"/>
+          <ac:grpSpMkLst>
+            <pc:docMk/>
+            <pc:sldMk cId="2223590909" sldId="259"/>
+            <ac:grpSpMk id="10" creationId="{FA134DF6-CF47-4F99-9055-780C0290BAEE}"/>
+          </ac:grpSpMkLst>
+        </pc:grpChg>
+        <pc:grpChg chg="add mod">
+          <ac:chgData name="Ehteshami, Zahra [DPYGB]" userId="022addb2-7b4d-46b3-aba8-09b15116b59c" providerId="ADAL" clId="{409598CA-F242-4A96-9AFE-DECC1DB40083}" dt="2022-05-18T14:47:13.076" v="236" actId="164"/>
+          <ac:grpSpMkLst>
+            <pc:docMk/>
+            <pc:sldMk cId="2223590909" sldId="259"/>
+            <ac:grpSpMk id="16" creationId="{1146C094-B78B-4A57-A112-AB1914DE9348}"/>
+          </ac:grpSpMkLst>
+        </pc:grpChg>
+        <pc:picChg chg="mod">
+          <ac:chgData name="Ehteshami, Zahra [DPYGB]" userId="022addb2-7b4d-46b3-aba8-09b15116b59c" providerId="ADAL" clId="{409598CA-F242-4A96-9AFE-DECC1DB40083}" dt="2022-05-18T14:46:00.764" v="229" actId="164"/>
+          <ac:picMkLst>
+            <pc:docMk/>
+            <pc:sldMk cId="2223590909" sldId="259"/>
+            <ac:picMk id="3" creationId="{9FD7273A-DC21-4558-8041-B0DF95CCF9D2}"/>
+          </ac:picMkLst>
+        </pc:picChg>
+        <pc:picChg chg="del">
+          <ac:chgData name="Ehteshami, Zahra [DPYGB]" userId="022addb2-7b4d-46b3-aba8-09b15116b59c" providerId="ADAL" clId="{409598CA-F242-4A96-9AFE-DECC1DB40083}" dt="2022-05-18T14:42:51.656" v="167" actId="478"/>
+          <ac:picMkLst>
+            <pc:docMk/>
+            <pc:sldMk cId="2223590909" sldId="259"/>
+            <ac:picMk id="4" creationId="{7D20DA7C-7F12-414A-9491-AC4CFC1BC7DF}"/>
+          </ac:picMkLst>
+        </pc:picChg>
+        <pc:picChg chg="mod">
+          <ac:chgData name="Ehteshami, Zahra [DPYGB]" userId="022addb2-7b4d-46b3-aba8-09b15116b59c" providerId="ADAL" clId="{409598CA-F242-4A96-9AFE-DECC1DB40083}" dt="2022-05-18T14:46:00.764" v="229" actId="164"/>
+          <ac:picMkLst>
+            <pc:docMk/>
+            <pc:sldMk cId="2223590909" sldId="259"/>
+            <ac:picMk id="5" creationId="{9C150254-37A5-4C68-BBC4-F65478FF223E}"/>
+          </ac:picMkLst>
+        </pc:picChg>
+        <pc:picChg chg="mod">
+          <ac:chgData name="Ehteshami, Zahra [DPYGB]" userId="022addb2-7b4d-46b3-aba8-09b15116b59c" providerId="ADAL" clId="{409598CA-F242-4A96-9AFE-DECC1DB40083}" dt="2022-05-18T14:46:00.764" v="229" actId="164"/>
+          <ac:picMkLst>
+            <pc:docMk/>
+            <pc:sldMk cId="2223590909" sldId="259"/>
+            <ac:picMk id="6" creationId="{77811F2E-29C9-48FA-88FF-25DBB5B6CB18}"/>
+          </ac:picMkLst>
+        </pc:picChg>
+        <pc:picChg chg="mod">
+          <ac:chgData name="Ehteshami, Zahra [DPYGB]" userId="022addb2-7b4d-46b3-aba8-09b15116b59c" providerId="ADAL" clId="{409598CA-F242-4A96-9AFE-DECC1DB40083}" dt="2022-05-18T14:46:00.764" v="229" actId="164"/>
+          <ac:picMkLst>
+            <pc:docMk/>
+            <pc:sldMk cId="2223590909" sldId="259"/>
+            <ac:picMk id="7" creationId="{345C5C5F-ABE1-4CAF-8249-021AFA8C7E21}"/>
+          </ac:picMkLst>
+        </pc:picChg>
+        <pc:picChg chg="add mod modCrop">
+          <ac:chgData name="Ehteshami, Zahra [DPYGB]" userId="022addb2-7b4d-46b3-aba8-09b15116b59c" providerId="ADAL" clId="{409598CA-F242-4A96-9AFE-DECC1DB40083}" dt="2022-05-18T14:46:00.764" v="229" actId="164"/>
+          <ac:picMkLst>
+            <pc:docMk/>
+            <pc:sldMk cId="2223590909" sldId="259"/>
+            <ac:picMk id="8" creationId="{0D86CAAD-ED7E-40BF-9383-9748C68D2F92}"/>
+          </ac:picMkLst>
+        </pc:picChg>
+        <pc:picChg chg="del">
+          <ac:chgData name="Ehteshami, Zahra [DPYGB]" userId="022addb2-7b4d-46b3-aba8-09b15116b59c" providerId="ADAL" clId="{409598CA-F242-4A96-9AFE-DECC1DB40083}" dt="2022-05-18T14:42:50.932" v="166" actId="478"/>
+          <ac:picMkLst>
+            <pc:docMk/>
+            <pc:sldMk cId="2223590909" sldId="259"/>
+            <ac:picMk id="9" creationId="{CEB4F4A8-62B5-42F5-BE76-2C747E59A995}"/>
+          </ac:picMkLst>
+        </pc:picChg>
+        <pc:picChg chg="mod">
+          <ac:chgData name="Ehteshami, Zahra [DPYGB]" userId="022addb2-7b4d-46b3-aba8-09b15116b59c" providerId="ADAL" clId="{409598CA-F242-4A96-9AFE-DECC1DB40083}" dt="2022-05-18T14:46:00.764" v="229" actId="164"/>
+          <ac:picMkLst>
+            <pc:docMk/>
+            <pc:sldMk cId="2223590909" sldId="259"/>
+            <ac:picMk id="11" creationId="{69EBBEDF-9D9A-40AD-9323-19E6E6FD844E}"/>
+          </ac:picMkLst>
+        </pc:picChg>
+        <pc:picChg chg="mod">
+          <ac:chgData name="Ehteshami, Zahra [DPYGB]" userId="022addb2-7b4d-46b3-aba8-09b15116b59c" providerId="ADAL" clId="{409598CA-F242-4A96-9AFE-DECC1DB40083}" dt="2022-05-18T14:46:00.764" v="229" actId="164"/>
+          <ac:picMkLst>
+            <pc:docMk/>
+            <pc:sldMk cId="2223590909" sldId="259"/>
+            <ac:picMk id="13" creationId="{DA568784-1A71-4D85-AE2D-A7F4FE5FA2E0}"/>
+          </ac:picMkLst>
+        </pc:picChg>
+        <pc:picChg chg="mod">
+          <ac:chgData name="Ehteshami, Zahra [DPYGB]" userId="022addb2-7b4d-46b3-aba8-09b15116b59c" providerId="ADAL" clId="{409598CA-F242-4A96-9AFE-DECC1DB40083}" dt="2022-05-18T14:46:00.764" v="229" actId="164"/>
+          <ac:picMkLst>
+            <pc:docMk/>
+            <pc:sldMk cId="2223590909" sldId="259"/>
+            <ac:picMk id="15" creationId="{1AA8AB8B-B32D-4A4E-A066-F804EABC53B6}"/>
+          </ac:picMkLst>
+        </pc:picChg>
+        <pc:picChg chg="del">
+          <ac:chgData name="Ehteshami, Zahra [DPYGB]" userId="022addb2-7b4d-46b3-aba8-09b15116b59c" providerId="ADAL" clId="{409598CA-F242-4A96-9AFE-DECC1DB40083}" dt="2022-05-18T14:42:53.172" v="168" actId="478"/>
+          <ac:picMkLst>
+            <pc:docMk/>
+            <pc:sldMk cId="2223590909" sldId="259"/>
+            <ac:picMk id="17" creationId="{69D26714-6270-49DB-BFE6-35F46808CCEF}"/>
+          </ac:picMkLst>
+        </pc:picChg>
+      </pc:sldChg>
+      <pc:sldChg chg="add del">
+        <pc:chgData name="Ehteshami, Zahra [DPYGB]" userId="022addb2-7b4d-46b3-aba8-09b15116b59c" providerId="ADAL" clId="{409598CA-F242-4A96-9AFE-DECC1DB40083}" dt="2022-05-18T14:45:39.455" v="209" actId="47"/>
+        <pc:sldMkLst>
+          <pc:docMk/>
+          <pc:sldMk cId="302061032" sldId="260"/>
+        </pc:sldMkLst>
+      </pc:sldChg>
+      <pc:sldChg chg="add del">
+        <pc:chgData name="Ehteshami, Zahra [DPYGB]" userId="022addb2-7b4d-46b3-aba8-09b15116b59c" providerId="ADAL" clId="{409598CA-F242-4A96-9AFE-DECC1DB40083}" dt="2022-05-18T14:45:40.647" v="210" actId="47"/>
+        <pc:sldMkLst>
+          <pc:docMk/>
+          <pc:sldMk cId="2558106148" sldId="261"/>
+        </pc:sldMkLst>
+      </pc:sldChg>
     </pc:docChg>
   </pc:docChgLst>
 </pc:chgInfo>
@@ -370,7 +775,7 @@
           <a:p>
             <a:fld id="{1EBDEAEF-8EF2-42B6-8490-F707E64805B4}" type="datetimeFigureOut">
               <a:rPr lang="en-GB" smtClean="0"/>
-              <a:t>08/04/2022</a:t>
+              <a:t>31/05/2024</a:t>
             </a:fld>
             <a:endParaRPr lang="en-GB"/>
           </a:p>
@@ -570,7 +975,7 @@
           <a:p>
             <a:fld id="{1EBDEAEF-8EF2-42B6-8490-F707E64805B4}" type="datetimeFigureOut">
               <a:rPr lang="en-GB" smtClean="0"/>
-              <a:t>08/04/2022</a:t>
+              <a:t>31/05/2024</a:t>
             </a:fld>
             <a:endParaRPr lang="en-GB"/>
           </a:p>
@@ -780,7 +1185,7 @@
           <a:p>
             <a:fld id="{1EBDEAEF-8EF2-42B6-8490-F707E64805B4}" type="datetimeFigureOut">
               <a:rPr lang="en-GB" smtClean="0"/>
-              <a:t>08/04/2022</a:t>
+              <a:t>31/05/2024</a:t>
             </a:fld>
             <a:endParaRPr lang="en-GB"/>
           </a:p>
@@ -980,7 +1385,7 @@
           <a:p>
             <a:fld id="{1EBDEAEF-8EF2-42B6-8490-F707E64805B4}" type="datetimeFigureOut">
               <a:rPr lang="en-GB" smtClean="0"/>
-              <a:t>08/04/2022</a:t>
+              <a:t>31/05/2024</a:t>
             </a:fld>
             <a:endParaRPr lang="en-GB"/>
           </a:p>
@@ -1256,7 +1661,7 @@
           <a:p>
             <a:fld id="{1EBDEAEF-8EF2-42B6-8490-F707E64805B4}" type="datetimeFigureOut">
               <a:rPr lang="en-GB" smtClean="0"/>
-              <a:t>08/04/2022</a:t>
+              <a:t>31/05/2024</a:t>
             </a:fld>
             <a:endParaRPr lang="en-GB"/>
           </a:p>
@@ -1524,7 +1929,7 @@
           <a:p>
             <a:fld id="{1EBDEAEF-8EF2-42B6-8490-F707E64805B4}" type="datetimeFigureOut">
               <a:rPr lang="en-GB" smtClean="0"/>
-              <a:t>08/04/2022</a:t>
+              <a:t>31/05/2024</a:t>
             </a:fld>
             <a:endParaRPr lang="en-GB"/>
           </a:p>
@@ -1939,7 +2344,7 @@
           <a:p>
             <a:fld id="{1EBDEAEF-8EF2-42B6-8490-F707E64805B4}" type="datetimeFigureOut">
               <a:rPr lang="en-GB" smtClean="0"/>
-              <a:t>08/04/2022</a:t>
+              <a:t>31/05/2024</a:t>
             </a:fld>
             <a:endParaRPr lang="en-GB"/>
           </a:p>
@@ -2081,7 +2486,7 @@
           <a:p>
             <a:fld id="{1EBDEAEF-8EF2-42B6-8490-F707E64805B4}" type="datetimeFigureOut">
               <a:rPr lang="en-GB" smtClean="0"/>
-              <a:t>08/04/2022</a:t>
+              <a:t>31/05/2024</a:t>
             </a:fld>
             <a:endParaRPr lang="en-GB"/>
           </a:p>
@@ -2194,7 +2599,7 @@
           <a:p>
             <a:fld id="{1EBDEAEF-8EF2-42B6-8490-F707E64805B4}" type="datetimeFigureOut">
               <a:rPr lang="en-GB" smtClean="0"/>
-              <a:t>08/04/2022</a:t>
+              <a:t>31/05/2024</a:t>
             </a:fld>
             <a:endParaRPr lang="en-GB"/>
           </a:p>
@@ -2507,7 +2912,7 @@
           <a:p>
             <a:fld id="{1EBDEAEF-8EF2-42B6-8490-F707E64805B4}" type="datetimeFigureOut">
               <a:rPr lang="en-GB" smtClean="0"/>
-              <a:t>08/04/2022</a:t>
+              <a:t>31/05/2024</a:t>
             </a:fld>
             <a:endParaRPr lang="en-GB"/>
           </a:p>
@@ -2796,7 +3201,7 @@
           <a:p>
             <a:fld id="{1EBDEAEF-8EF2-42B6-8490-F707E64805B4}" type="datetimeFigureOut">
               <a:rPr lang="en-GB" smtClean="0"/>
-              <a:t>08/04/2022</a:t>
+              <a:t>31/05/2024</a:t>
             </a:fld>
             <a:endParaRPr lang="en-GB"/>
           </a:p>
@@ -3039,7 +3444,7 @@
           <a:p>
             <a:fld id="{1EBDEAEF-8EF2-42B6-8490-F707E64805B4}" type="datetimeFigureOut">
               <a:rPr lang="en-GB" smtClean="0"/>
-              <a:t>08/04/2022</a:t>
+              <a:t>31/05/2024</a:t>
             </a:fld>
             <a:endParaRPr lang="en-GB"/>
           </a:p>
@@ -3458,10 +3863,10 @@
       </p:grpSpPr>
       <p:grpSp>
         <p:nvGrpSpPr>
-          <p:cNvPr id="8" name="Group 7">
-            <a:extLst>
-              <a:ext uri="{FF2B5EF4-FFF2-40B4-BE49-F238E27FC236}">
-                <a16:creationId xmlns:a16="http://schemas.microsoft.com/office/drawing/2014/main" id="{384F99CA-E330-47D1-8DB5-7479D7CDD351}"/>
+          <p:cNvPr id="21" name="Group 20">
+            <a:extLst>
+              <a:ext uri="{FF2B5EF4-FFF2-40B4-BE49-F238E27FC236}">
+                <a16:creationId xmlns:a16="http://schemas.microsoft.com/office/drawing/2014/main" id="{5272C1A5-0A6A-DCAB-15C7-AD1AACC1F5FD}"/>
               </a:ext>
             </a:extLst>
           </p:cNvPr>
@@ -3470,18 +3875,54 @@
         </p:nvGrpSpPr>
         <p:grpSpPr>
           <a:xfrm>
-            <a:off x="2739758" y="1813662"/>
-            <a:ext cx="4383663" cy="2775777"/>
-            <a:chOff x="2704924" y="1944290"/>
-            <a:chExt cx="4383663" cy="2775777"/>
+            <a:off x="2287539" y="1443747"/>
+            <a:ext cx="4383663" cy="2828451"/>
+            <a:chOff x="2287539" y="1443747"/>
+            <a:chExt cx="4383663" cy="2828451"/>
           </a:xfrm>
         </p:grpSpPr>
+        <p:pic>
+          <p:nvPicPr>
+            <p:cNvPr id="20" name="Picture 19" descr="A logo of a company&#10;&#10;Description automatically generated">
+              <a:extLst>
+                <a:ext uri="{FF2B5EF4-FFF2-40B4-BE49-F238E27FC236}">
+                  <a16:creationId xmlns:a16="http://schemas.microsoft.com/office/drawing/2014/main" id="{670FAE8A-B10F-8E08-46F8-B8BF7FC27EF9}"/>
+                </a:ext>
+              </a:extLst>
+            </p:cNvPr>
+            <p:cNvPicPr>
+              <a:picLocks noChangeAspect="1"/>
+            </p:cNvPicPr>
+            <p:nvPr/>
+          </p:nvPicPr>
+          <p:blipFill>
+            <a:blip r:embed="rId2">
+              <a:extLst>
+                <a:ext uri="{28A0092B-C50C-407E-A947-70E740481C1C}">
+                  <a14:useLocalDpi xmlns:a14="http://schemas.microsoft.com/office/drawing/2010/main" val="0"/>
+                </a:ext>
+              </a:extLst>
+            </a:blip>
+            <a:stretch>
+              <a:fillRect/>
+            </a:stretch>
+          </p:blipFill>
+          <p:spPr>
+            <a:xfrm>
+              <a:off x="3190556" y="1806821"/>
+              <a:ext cx="1323542" cy="605959"/>
+            </a:xfrm>
+            <a:prstGeom prst="rect">
+              <a:avLst/>
+            </a:prstGeom>
+          </p:spPr>
+        </p:pic>
         <p:grpSp>
           <p:nvGrpSpPr>
-            <p:cNvPr id="18" name="Group 17">
+            <p:cNvPr id="10" name="Group 9">
               <a:extLst>
                 <a:ext uri="{FF2B5EF4-FFF2-40B4-BE49-F238E27FC236}">
-                  <a16:creationId xmlns:a16="http://schemas.microsoft.com/office/drawing/2014/main" id="{23D3B969-8FFB-44C2-98D7-BDAA6DD7E992}"/>
+                  <a16:creationId xmlns:a16="http://schemas.microsoft.com/office/drawing/2014/main" id="{6A2C1FDD-0FB5-4B91-A8F3-3F089EEE3E67}"/>
                 </a:ext>
               </a:extLst>
             </p:cNvPr>
@@ -3490,10 +3931,923 @@
           </p:nvGrpSpPr>
           <p:grpSpPr>
             <a:xfrm>
-              <a:off x="2704924" y="1944290"/>
-              <a:ext cx="4383663" cy="2775777"/>
-              <a:chOff x="2901850" y="1964244"/>
-              <a:chExt cx="4383663" cy="2775777"/>
+              <a:off x="2287539" y="1496459"/>
+              <a:ext cx="4383663" cy="2775739"/>
+              <a:chOff x="2739758" y="1813700"/>
+              <a:chExt cx="4383663" cy="2775739"/>
+            </a:xfrm>
+          </p:grpSpPr>
+          <p:grpSp>
+            <p:nvGrpSpPr>
+              <p:cNvPr id="8" name="Group 7">
+                <a:extLst>
+                  <a:ext uri="{FF2B5EF4-FFF2-40B4-BE49-F238E27FC236}">
+                    <a16:creationId xmlns:a16="http://schemas.microsoft.com/office/drawing/2014/main" id="{384F99CA-E330-47D1-8DB5-7479D7CDD351}"/>
+                  </a:ext>
+                </a:extLst>
+              </p:cNvPr>
+              <p:cNvGrpSpPr/>
+              <p:nvPr/>
+            </p:nvGrpSpPr>
+            <p:grpSpPr>
+              <a:xfrm>
+                <a:off x="2739758" y="1813700"/>
+                <a:ext cx="4383663" cy="2775739"/>
+                <a:chOff x="2704924" y="1944328"/>
+                <a:chExt cx="4383663" cy="2775739"/>
+              </a:xfrm>
+            </p:grpSpPr>
+            <p:grpSp>
+              <p:nvGrpSpPr>
+                <p:cNvPr id="18" name="Group 17">
+                  <a:extLst>
+                    <a:ext uri="{FF2B5EF4-FFF2-40B4-BE49-F238E27FC236}">
+                      <a16:creationId xmlns:a16="http://schemas.microsoft.com/office/drawing/2014/main" id="{23D3B969-8FFB-44C2-98D7-BDAA6DD7E992}"/>
+                    </a:ext>
+                  </a:extLst>
+                </p:cNvPr>
+                <p:cNvGrpSpPr/>
+                <p:nvPr/>
+              </p:nvGrpSpPr>
+              <p:grpSpPr>
+                <a:xfrm>
+                  <a:off x="2704924" y="1944328"/>
+                  <a:ext cx="4383663" cy="2775739"/>
+                  <a:chOff x="2901850" y="1964282"/>
+                  <a:chExt cx="4383663" cy="2775739"/>
+                </a:xfrm>
+              </p:grpSpPr>
+              <p:pic>
+                <p:nvPicPr>
+                  <p:cNvPr id="5" name="Picture 4" descr="Icon&#10;&#10;Description automatically generated">
+                    <a:extLst>
+                      <a:ext uri="{FF2B5EF4-FFF2-40B4-BE49-F238E27FC236}">
+                        <a16:creationId xmlns:a16="http://schemas.microsoft.com/office/drawing/2014/main" id="{9C150254-37A5-4C68-BBC4-F65478FF223E}"/>
+                      </a:ext>
+                    </a:extLst>
+                  </p:cNvPr>
+                  <p:cNvPicPr>
+                    <a:picLocks noChangeAspect="1"/>
+                  </p:cNvPicPr>
+                  <p:nvPr/>
+                </p:nvPicPr>
+                <p:blipFill rotWithShape="1">
+                  <a:blip r:embed="rId3">
+                    <a:extLst>
+                      <a:ext uri="{28A0092B-C50C-407E-A947-70E740481C1C}">
+                        <a14:useLocalDpi xmlns:a14="http://schemas.microsoft.com/office/drawing/2010/main" val="0"/>
+                      </a:ext>
+                    </a:extLst>
+                  </a:blip>
+                  <a:srcRect l="28363" r="26683"/>
+                  <a:stretch/>
+                </p:blipFill>
+                <p:spPr>
+                  <a:xfrm>
+                    <a:off x="6261266" y="3562207"/>
+                    <a:ext cx="879566" cy="1012032"/>
+                  </a:xfrm>
+                  <a:prstGeom prst="rect">
+                    <a:avLst/>
+                  </a:prstGeom>
+                  <a:ln>
+                    <a:noFill/>
+                  </a:ln>
+                </p:spPr>
+              </p:pic>
+              <p:pic>
+                <p:nvPicPr>
+                  <p:cNvPr id="7" name="Picture 6" descr="Logo&#10;&#10;Description automatically generated">
+                    <a:extLst>
+                      <a:ext uri="{FF2B5EF4-FFF2-40B4-BE49-F238E27FC236}">
+                        <a16:creationId xmlns:a16="http://schemas.microsoft.com/office/drawing/2014/main" id="{345C5C5F-ABE1-4CAF-8249-021AFA8C7E21}"/>
+                      </a:ext>
+                    </a:extLst>
+                  </p:cNvPr>
+                  <p:cNvPicPr>
+                    <a:picLocks noChangeAspect="1"/>
+                  </p:cNvPicPr>
+                  <p:nvPr/>
+                </p:nvPicPr>
+                <p:blipFill>
+                  <a:blip r:embed="rId4">
+                    <a:extLst>
+                      <a:ext uri="{28A0092B-C50C-407E-A947-70E740481C1C}">
+                        <a14:useLocalDpi xmlns:a14="http://schemas.microsoft.com/office/drawing/2010/main" val="0"/>
+                      </a:ext>
+                    </a:extLst>
+                  </a:blip>
+                  <a:stretch>
+                    <a:fillRect/>
+                  </a:stretch>
+                </p:blipFill>
+                <p:spPr>
+                  <a:xfrm>
+                    <a:off x="5668250" y="2799229"/>
+                    <a:ext cx="1454622" cy="546696"/>
+                  </a:xfrm>
+                  <a:prstGeom prst="rect">
+                    <a:avLst/>
+                  </a:prstGeom>
+                  <a:ln>
+                    <a:noFill/>
+                  </a:ln>
+                </p:spPr>
+              </p:pic>
+              <p:pic>
+                <p:nvPicPr>
+                  <p:cNvPr id="9" name="Picture 8" descr="Logo, company name&#10;&#10;Description automatically generated">
+                    <a:extLst>
+                      <a:ext uri="{FF2B5EF4-FFF2-40B4-BE49-F238E27FC236}">
+                        <a16:creationId xmlns:a16="http://schemas.microsoft.com/office/drawing/2014/main" id="{CEB4F4A8-62B5-42F5-BE76-2C747E59A995}"/>
+                      </a:ext>
+                    </a:extLst>
+                  </p:cNvPr>
+                  <p:cNvPicPr>
+                    <a:picLocks noChangeAspect="1"/>
+                  </p:cNvPicPr>
+                  <p:nvPr/>
+                </p:nvPicPr>
+                <p:blipFill rotWithShape="1">
+                  <a:blip r:embed="rId5">
+                    <a:extLst>
+                      <a:ext uri="{28A0092B-C50C-407E-A947-70E740481C1C}">
+                        <a14:useLocalDpi xmlns:a14="http://schemas.microsoft.com/office/drawing/2010/main" val="0"/>
+                      </a:ext>
+                    </a:extLst>
+                  </a:blip>
+                  <a:srcRect l="21919" r="23393"/>
+                  <a:stretch/>
+                </p:blipFill>
+                <p:spPr>
+                  <a:xfrm>
+                    <a:off x="3852462" y="2960031"/>
+                    <a:ext cx="531511" cy="546696"/>
+                  </a:xfrm>
+                  <a:prstGeom prst="rect">
+                    <a:avLst/>
+                  </a:prstGeom>
+                  <a:ln>
+                    <a:noFill/>
+                  </a:ln>
+                </p:spPr>
+              </p:pic>
+              <p:pic>
+                <p:nvPicPr>
+                  <p:cNvPr id="11" name="Picture 10" descr="Logo&#10;&#10;Description automatically generated">
+                    <a:extLst>
+                      <a:ext uri="{FF2B5EF4-FFF2-40B4-BE49-F238E27FC236}">
+                        <a16:creationId xmlns:a16="http://schemas.microsoft.com/office/drawing/2014/main" id="{69EBBEDF-9D9A-40AD-9323-19E6E6FD844E}"/>
+                      </a:ext>
+                    </a:extLst>
+                  </p:cNvPr>
+                  <p:cNvPicPr>
+                    <a:picLocks noChangeAspect="1"/>
+                  </p:cNvPicPr>
+                  <p:nvPr/>
+                </p:nvPicPr>
+                <p:blipFill rotWithShape="1">
+                  <a:blip r:embed="rId6">
+                    <a:extLst>
+                      <a:ext uri="{28A0092B-C50C-407E-A947-70E740481C1C}">
+                        <a14:useLocalDpi xmlns:a14="http://schemas.microsoft.com/office/drawing/2010/main" val="0"/>
+                      </a:ext>
+                    </a:extLst>
+                  </a:blip>
+                  <a:srcRect l="23778" r="25691"/>
+                  <a:stretch/>
+                </p:blipFill>
+                <p:spPr>
+                  <a:xfrm>
+                    <a:off x="4789150" y="3489091"/>
+                    <a:ext cx="1123749" cy="1250930"/>
+                  </a:xfrm>
+                  <a:prstGeom prst="rect">
+                    <a:avLst/>
+                  </a:prstGeom>
+                  <a:ln>
+                    <a:noFill/>
+                  </a:ln>
+                </p:spPr>
+              </p:pic>
+              <p:pic>
+                <p:nvPicPr>
+                  <p:cNvPr id="13" name="Picture 12" descr="A picture containing text, clipart&#10;&#10;Description automatically generated">
+                    <a:extLst>
+                      <a:ext uri="{FF2B5EF4-FFF2-40B4-BE49-F238E27FC236}">
+                        <a16:creationId xmlns:a16="http://schemas.microsoft.com/office/drawing/2014/main" id="{DA568784-1A71-4D85-AE2D-A7F4FE5FA2E0}"/>
+                      </a:ext>
+                    </a:extLst>
+                  </p:cNvPr>
+                  <p:cNvPicPr>
+                    <a:picLocks noChangeAspect="1"/>
+                  </p:cNvPicPr>
+                  <p:nvPr/>
+                </p:nvPicPr>
+                <p:blipFill>
+                  <a:blip r:embed="rId7">
+                    <a:extLst>
+                      <a:ext uri="{28A0092B-C50C-407E-A947-70E740481C1C}">
+                        <a14:useLocalDpi xmlns:a14="http://schemas.microsoft.com/office/drawing/2010/main" val="0"/>
+                      </a:ext>
+                    </a:extLst>
+                  </a:blip>
+                  <a:stretch>
+                    <a:fillRect/>
+                  </a:stretch>
+                </p:blipFill>
+                <p:spPr>
+                  <a:xfrm>
+                    <a:off x="6116585" y="2012625"/>
+                    <a:ext cx="1168928" cy="667958"/>
+                  </a:xfrm>
+                  <a:prstGeom prst="rect">
+                    <a:avLst/>
+                  </a:prstGeom>
+                  <a:ln>
+                    <a:noFill/>
+                  </a:ln>
+                </p:spPr>
+              </p:pic>
+              <p:pic>
+                <p:nvPicPr>
+                  <p:cNvPr id="15" name="Picture 14" descr="Logo, icon&#10;&#10;Description automatically generated">
+                    <a:extLst>
+                      <a:ext uri="{FF2B5EF4-FFF2-40B4-BE49-F238E27FC236}">
+                        <a16:creationId xmlns:a16="http://schemas.microsoft.com/office/drawing/2014/main" id="{1AA8AB8B-B32D-4A4E-A066-F804EABC53B6}"/>
+                      </a:ext>
+                    </a:extLst>
+                  </p:cNvPr>
+                  <p:cNvPicPr>
+                    <a:picLocks noChangeAspect="1"/>
+                  </p:cNvPicPr>
+                  <p:nvPr/>
+                </p:nvPicPr>
+                <p:blipFill>
+                  <a:blip r:embed="rId8">
+                    <a:extLst>
+                      <a:ext uri="{28A0092B-C50C-407E-A947-70E740481C1C}">
+                        <a14:useLocalDpi xmlns:a14="http://schemas.microsoft.com/office/drawing/2010/main" val="0"/>
+                      </a:ext>
+                    </a:extLst>
+                  </a:blip>
+                  <a:stretch>
+                    <a:fillRect/>
+                  </a:stretch>
+                </p:blipFill>
+                <p:spPr>
+                  <a:xfrm>
+                    <a:off x="2901850" y="2539931"/>
+                    <a:ext cx="1022276" cy="1022276"/>
+                  </a:xfrm>
+                  <a:prstGeom prst="rect">
+                    <a:avLst/>
+                  </a:prstGeom>
+                  <a:ln>
+                    <a:noFill/>
+                  </a:ln>
+                </p:spPr>
+              </p:pic>
+              <p:pic>
+                <p:nvPicPr>
+                  <p:cNvPr id="17" name="Picture 16" descr="Text&#10;&#10;Description automatically generated">
+                    <a:extLst>
+                      <a:ext uri="{FF2B5EF4-FFF2-40B4-BE49-F238E27FC236}">
+                        <a16:creationId xmlns:a16="http://schemas.microsoft.com/office/drawing/2014/main" id="{69D26714-6270-49DB-BFE6-35F46808CCEF}"/>
+                      </a:ext>
+                    </a:extLst>
+                  </p:cNvPr>
+                  <p:cNvPicPr>
+                    <a:picLocks noChangeAspect="1"/>
+                  </p:cNvPicPr>
+                  <p:nvPr/>
+                </p:nvPicPr>
+                <p:blipFill>
+                  <a:blip r:embed="rId9">
+                    <a:extLst>
+                      <a:ext uri="{28A0092B-C50C-407E-A947-70E740481C1C}">
+                        <a14:useLocalDpi xmlns:a14="http://schemas.microsoft.com/office/drawing/2010/main" val="0"/>
+                      </a:ext>
+                    </a:extLst>
+                  </a:blip>
+                  <a:stretch>
+                    <a:fillRect/>
+                  </a:stretch>
+                </p:blipFill>
+                <p:spPr>
+                  <a:xfrm>
+                    <a:off x="3093106" y="1964282"/>
+                    <a:ext cx="1418502" cy="267939"/>
+                  </a:xfrm>
+                  <a:prstGeom prst="rect">
+                    <a:avLst/>
+                  </a:prstGeom>
+                  <a:ln>
+                    <a:noFill/>
+                  </a:ln>
+                </p:spPr>
+              </p:pic>
+            </p:grpSp>
+            <p:pic>
+              <p:nvPicPr>
+                <p:cNvPr id="3" name="Picture 2" descr="Shape&#10;&#10;Description automatically generated with medium confidence">
+                  <a:extLst>
+                    <a:ext uri="{FF2B5EF4-FFF2-40B4-BE49-F238E27FC236}">
+                      <a16:creationId xmlns:a16="http://schemas.microsoft.com/office/drawing/2014/main" id="{9FD7273A-DC21-4558-8041-B0DF95CCF9D2}"/>
+                    </a:ext>
+                  </a:extLst>
+                </p:cNvPr>
+                <p:cNvPicPr>
+                  <a:picLocks noChangeAspect="1"/>
+                </p:cNvPicPr>
+                <p:nvPr/>
+              </p:nvPicPr>
+              <p:blipFill rotWithShape="1">
+                <a:blip r:embed="rId10">
+                  <a:extLst>
+                    <a:ext uri="{28A0092B-C50C-407E-A947-70E740481C1C}">
+                      <a14:useLocalDpi xmlns:a14="http://schemas.microsoft.com/office/drawing/2010/main" val="0"/>
+                    </a:ext>
+                  </a:extLst>
+                </a:blip>
+                <a:srcRect l="15942" r="18638"/>
+                <a:stretch/>
+              </p:blipFill>
+              <p:spPr>
+                <a:xfrm>
+                  <a:off x="3380216" y="4078117"/>
+                  <a:ext cx="700364" cy="602198"/>
+                </a:xfrm>
+                <a:prstGeom prst="rect">
+                  <a:avLst/>
+                </a:prstGeom>
+                <a:ln>
+                  <a:noFill/>
+                </a:ln>
+              </p:spPr>
+            </p:pic>
+            <p:pic>
+              <p:nvPicPr>
+                <p:cNvPr id="6" name="Picture 5" descr="A picture containing shape&#10;&#10;Description automatically generated">
+                  <a:extLst>
+                    <a:ext uri="{FF2B5EF4-FFF2-40B4-BE49-F238E27FC236}">
+                      <a16:creationId xmlns:a16="http://schemas.microsoft.com/office/drawing/2014/main" id="{77811F2E-29C9-48FA-88FF-25DBB5B6CB18}"/>
+                    </a:ext>
+                  </a:extLst>
+                </p:cNvPr>
+                <p:cNvPicPr>
+                  <a:picLocks noChangeAspect="1"/>
+                </p:cNvPicPr>
+                <p:nvPr/>
+              </p:nvPicPr>
+              <p:blipFill>
+                <a:blip r:embed="rId11">
+                  <a:extLst>
+                    <a:ext uri="{28A0092B-C50C-407E-A947-70E740481C1C}">
+                      <a14:useLocalDpi xmlns:a14="http://schemas.microsoft.com/office/drawing/2010/main" val="0"/>
+                    </a:ext>
+                  </a:extLst>
+                </a:blip>
+                <a:stretch>
+                  <a:fillRect/>
+                </a:stretch>
+              </p:blipFill>
+              <p:spPr>
+                <a:xfrm>
+                  <a:off x="2896180" y="3520642"/>
+                  <a:ext cx="1219202" cy="606553"/>
+                </a:xfrm>
+                <a:prstGeom prst="rect">
+                  <a:avLst/>
+                </a:prstGeom>
+                <a:ln>
+                  <a:noFill/>
+                </a:ln>
+              </p:spPr>
+            </p:pic>
+          </p:grpSp>
+          <p:pic>
+            <p:nvPicPr>
+              <p:cNvPr id="4" name="Picture 3" descr="Logo, company name&#10;&#10;Description automatically generated">
+                <a:extLst>
+                  <a:ext uri="{FF2B5EF4-FFF2-40B4-BE49-F238E27FC236}">
+                    <a16:creationId xmlns:a16="http://schemas.microsoft.com/office/drawing/2014/main" id="{7D20DA7C-7F12-414A-9491-AC4CFC1BC7DF}"/>
+                  </a:ext>
+                </a:extLst>
+              </p:cNvPr>
+              <p:cNvPicPr>
+                <a:picLocks noChangeAspect="1"/>
+              </p:cNvPicPr>
+              <p:nvPr/>
+            </p:nvPicPr>
+            <p:blipFill rotWithShape="1">
+              <a:blip r:embed="rId12">
+                <a:extLst>
+                  <a:ext uri="{28A0092B-C50C-407E-A947-70E740481C1C}">
+                    <a14:useLocalDpi xmlns:a14="http://schemas.microsoft.com/office/drawing/2010/main" val="0"/>
+                  </a:ext>
+                </a:extLst>
+              </a:blip>
+              <a:srcRect l="14851" t="12959" r="11712" b="15204"/>
+              <a:stretch/>
+            </p:blipFill>
+            <p:spPr>
+              <a:xfrm>
+                <a:off x="4090159" y="3702831"/>
+                <a:ext cx="701282" cy="514506"/>
+              </a:xfrm>
+              <a:prstGeom prst="rect">
+                <a:avLst/>
+              </a:prstGeom>
+            </p:spPr>
+          </p:pic>
+        </p:grpSp>
+        <p:pic>
+          <p:nvPicPr>
+            <p:cNvPr id="12" name="Picture 11" descr="A blue logo with white text&#10;&#10;Description automatically generated">
+              <a:extLst>
+                <a:ext uri="{FF2B5EF4-FFF2-40B4-BE49-F238E27FC236}">
+                  <a16:creationId xmlns:a16="http://schemas.microsoft.com/office/drawing/2014/main" id="{8CF60362-4370-F014-0FB8-DCB66F88BCEE}"/>
+                </a:ext>
+              </a:extLst>
+            </p:cNvPr>
+            <p:cNvPicPr>
+              <a:picLocks noChangeAspect="1"/>
+            </p:cNvPicPr>
+            <p:nvPr/>
+          </p:nvPicPr>
+          <p:blipFill>
+            <a:blip r:embed="rId13">
+              <a:extLst>
+                <a:ext uri="{28A0092B-C50C-407E-A947-70E740481C1C}">
+                  <a14:useLocalDpi xmlns:a14="http://schemas.microsoft.com/office/drawing/2010/main" val="0"/>
+                </a:ext>
+              </a:extLst>
+            </a:blip>
+            <a:stretch>
+              <a:fillRect/>
+            </a:stretch>
+          </p:blipFill>
+          <p:spPr>
+            <a:xfrm>
+              <a:off x="3928771" y="2342611"/>
+              <a:ext cx="1022276" cy="556573"/>
+            </a:xfrm>
+            <a:prstGeom prst="rect">
+              <a:avLst/>
+            </a:prstGeom>
+          </p:spPr>
+        </p:pic>
+        <p:pic>
+          <p:nvPicPr>
+            <p:cNvPr id="16" name="Picture 15" descr="A purple hexagon with white text&#10;&#10;Description automatically generated">
+              <a:extLst>
+                <a:ext uri="{FF2B5EF4-FFF2-40B4-BE49-F238E27FC236}">
+                  <a16:creationId xmlns:a16="http://schemas.microsoft.com/office/drawing/2014/main" id="{441FDA45-4C79-7B87-18B1-F740CBF06FAE}"/>
+                </a:ext>
+              </a:extLst>
+            </p:cNvPr>
+            <p:cNvPicPr>
+              <a:picLocks noChangeAspect="1"/>
+            </p:cNvPicPr>
+            <p:nvPr/>
+          </p:nvPicPr>
+          <p:blipFill>
+            <a:blip r:embed="rId14">
+              <a:extLst>
+                <a:ext uri="{28A0092B-C50C-407E-A947-70E740481C1C}">
+                  <a14:useLocalDpi xmlns:a14="http://schemas.microsoft.com/office/drawing/2010/main" val="0"/>
+                </a:ext>
+              </a:extLst>
+            </a:blip>
+            <a:stretch>
+              <a:fillRect/>
+            </a:stretch>
+          </p:blipFill>
+          <p:spPr>
+            <a:xfrm>
+              <a:off x="4318275" y="1443747"/>
+              <a:ext cx="1323543" cy="744493"/>
+            </a:xfrm>
+            <a:prstGeom prst="rect">
+              <a:avLst/>
+            </a:prstGeom>
+          </p:spPr>
+        </p:pic>
+      </p:grpSp>
+    </p:spTree>
+    <p:extLst>
+      <p:ext uri="{BB962C8B-B14F-4D97-AF65-F5344CB8AC3E}">
+        <p14:creationId xmlns:p14="http://schemas.microsoft.com/office/powerpoint/2010/main" val="2464750461"/>
+      </p:ext>
+    </p:extLst>
+  </p:cSld>
+  <p:clrMapOvr>
+    <a:masterClrMapping/>
+  </p:clrMapOvr>
+</p:sld>
+</file>
+
+<file path=ppt/slides/slide2.xml><?xml version="1.0" encoding="utf-8"?>
+<p:sld xmlns:a="http://schemas.openxmlformats.org/drawingml/2006/main" xmlns:r="http://schemas.openxmlformats.org/officeDocument/2006/relationships" xmlns:p="http://schemas.openxmlformats.org/presentationml/2006/main">
+  <p:cSld>
+    <p:spTree>
+      <p:nvGrpSpPr>
+        <p:cNvPr id="1" name=""/>
+        <p:cNvGrpSpPr/>
+        <p:nvPr/>
+      </p:nvGrpSpPr>
+      <p:grpSpPr>
+        <a:xfrm>
+          <a:off x="0" y="0"/>
+          <a:ext cx="0" cy="0"/>
+          <a:chOff x="0" y="0"/>
+          <a:chExt cx="0" cy="0"/>
+        </a:xfrm>
+      </p:grpSpPr>
+      <p:grpSp>
+        <p:nvGrpSpPr>
+          <p:cNvPr id="19" name="Group 18">
+            <a:extLst>
+              <a:ext uri="{FF2B5EF4-FFF2-40B4-BE49-F238E27FC236}">
+                <a16:creationId xmlns:a16="http://schemas.microsoft.com/office/drawing/2014/main" id="{41368699-DFD1-4BEA-8735-6AE05F806C2D}"/>
+              </a:ext>
+            </a:extLst>
+          </p:cNvPr>
+          <p:cNvGrpSpPr/>
+          <p:nvPr/>
+        </p:nvGrpSpPr>
+        <p:grpSpPr>
+          <a:xfrm>
+            <a:off x="3722914" y="851838"/>
+            <a:ext cx="3032449" cy="2577162"/>
+            <a:chOff x="3722914" y="851838"/>
+            <a:chExt cx="3032449" cy="2577162"/>
+          </a:xfrm>
+        </p:grpSpPr>
+        <p:sp>
+          <p:nvSpPr>
+            <p:cNvPr id="16" name="Rectangle 15">
+              <a:extLst>
+                <a:ext uri="{FF2B5EF4-FFF2-40B4-BE49-F238E27FC236}">
+                  <a16:creationId xmlns:a16="http://schemas.microsoft.com/office/drawing/2014/main" id="{EC80748D-17DB-43C1-B007-61093DDAA108}"/>
+                </a:ext>
+              </a:extLst>
+            </p:cNvPr>
+            <p:cNvSpPr/>
+            <p:nvPr/>
+          </p:nvSpPr>
+          <p:spPr>
+            <a:xfrm>
+              <a:off x="3722914" y="851838"/>
+              <a:ext cx="3032449" cy="2577162"/>
+            </a:xfrm>
+            <a:prstGeom prst="rect">
+              <a:avLst/>
+            </a:prstGeom>
+            <a:solidFill>
+              <a:schemeClr val="bg1"/>
+            </a:solidFill>
+            <a:ln>
+              <a:noFill/>
+            </a:ln>
+          </p:spPr>
+          <p:style>
+            <a:lnRef idx="2">
+              <a:schemeClr val="accent1">
+                <a:shade val="50000"/>
+              </a:schemeClr>
+            </a:lnRef>
+            <a:fillRef idx="1">
+              <a:schemeClr val="accent1"/>
+            </a:fillRef>
+            <a:effectRef idx="0">
+              <a:schemeClr val="accent1"/>
+            </a:effectRef>
+            <a:fontRef idx="minor">
+              <a:schemeClr val="lt1"/>
+            </a:fontRef>
+          </p:style>
+          <p:txBody>
+            <a:bodyPr rtlCol="0" anchor="ctr"/>
+            <a:lstStyle/>
+            <a:p>
+              <a:pPr algn="ctr"/>
+              <a:endParaRPr lang="en-GB"/>
+            </a:p>
+          </p:txBody>
+        </p:sp>
+        <p:grpSp>
+          <p:nvGrpSpPr>
+            <p:cNvPr id="14" name="Group 13">
+              <a:extLst>
+                <a:ext uri="{FF2B5EF4-FFF2-40B4-BE49-F238E27FC236}">
+                  <a16:creationId xmlns:a16="http://schemas.microsoft.com/office/drawing/2014/main" id="{7B0519C1-77E2-4B62-80D6-0B877CF73657}"/>
+                </a:ext>
+              </a:extLst>
+            </p:cNvPr>
+            <p:cNvGrpSpPr/>
+            <p:nvPr/>
+          </p:nvGrpSpPr>
+          <p:grpSpPr>
+            <a:xfrm>
+              <a:off x="3857398" y="851838"/>
+              <a:ext cx="2795779" cy="2352091"/>
+              <a:chOff x="3857398" y="851838"/>
+              <a:chExt cx="2795779" cy="2352091"/>
+            </a:xfrm>
+          </p:grpSpPr>
+          <p:grpSp>
+            <p:nvGrpSpPr>
+              <p:cNvPr id="2" name="Group 1">
+                <a:extLst>
+                  <a:ext uri="{FF2B5EF4-FFF2-40B4-BE49-F238E27FC236}">
+                    <a16:creationId xmlns:a16="http://schemas.microsoft.com/office/drawing/2014/main" id="{711211F3-307E-4BF3-8866-EFDFF7788C16}"/>
+                  </a:ext>
+                </a:extLst>
+              </p:cNvPr>
+              <p:cNvGrpSpPr/>
+              <p:nvPr/>
+            </p:nvGrpSpPr>
+            <p:grpSpPr>
+              <a:xfrm>
+                <a:off x="3857398" y="1506244"/>
+                <a:ext cx="2795779" cy="1697685"/>
+                <a:chOff x="3960035" y="1384946"/>
+                <a:chExt cx="2795779" cy="1697685"/>
+              </a:xfrm>
+            </p:grpSpPr>
+            <p:pic>
+              <p:nvPicPr>
+                <p:cNvPr id="9" name="Picture 8" descr="Logo, company name&#10;&#10;Description automatically generated">
+                  <a:extLst>
+                    <a:ext uri="{FF2B5EF4-FFF2-40B4-BE49-F238E27FC236}">
+                      <a16:creationId xmlns:a16="http://schemas.microsoft.com/office/drawing/2014/main" id="{CEB4F4A8-62B5-42F5-BE76-2C747E59A995}"/>
+                    </a:ext>
+                  </a:extLst>
+                </p:cNvPr>
+                <p:cNvPicPr>
+                  <a:picLocks noChangeAspect="1"/>
+                </p:cNvPicPr>
+                <p:nvPr/>
+              </p:nvPicPr>
+              <p:blipFill rotWithShape="1">
+                <a:blip r:embed="rId2">
+                  <a:extLst>
+                    <a:ext uri="{28A0092B-C50C-407E-A947-70E740481C1C}">
+                      <a14:useLocalDpi xmlns:a14="http://schemas.microsoft.com/office/drawing/2010/main" val="0"/>
+                    </a:ext>
+                  </a:extLst>
+                </a:blip>
+                <a:srcRect l="21919" r="23393"/>
+                <a:stretch/>
+              </p:blipFill>
+              <p:spPr>
+                <a:xfrm>
+                  <a:off x="3960035" y="1425473"/>
+                  <a:ext cx="993883" cy="1022277"/>
+                </a:xfrm>
+                <a:prstGeom prst="rect">
+                  <a:avLst/>
+                </a:prstGeom>
+                <a:ln>
+                  <a:noFill/>
+                </a:ln>
+              </p:spPr>
+            </p:pic>
+            <p:pic>
+              <p:nvPicPr>
+                <p:cNvPr id="17" name="Picture 16" descr="Text&#10;&#10;Description automatically generated">
+                  <a:extLst>
+                    <a:ext uri="{FF2B5EF4-FFF2-40B4-BE49-F238E27FC236}">
+                      <a16:creationId xmlns:a16="http://schemas.microsoft.com/office/drawing/2014/main" id="{69D26714-6270-49DB-BFE6-35F46808CCEF}"/>
+                    </a:ext>
+                  </a:extLst>
+                </p:cNvPr>
+                <p:cNvPicPr>
+                  <a:picLocks noChangeAspect="1"/>
+                </p:cNvPicPr>
+                <p:nvPr/>
+              </p:nvPicPr>
+              <p:blipFill>
+                <a:blip r:embed="rId3">
+                  <a:extLst>
+                    <a:ext uri="{28A0092B-C50C-407E-A947-70E740481C1C}">
+                      <a14:useLocalDpi xmlns:a14="http://schemas.microsoft.com/office/drawing/2010/main" val="0"/>
+                    </a:ext>
+                  </a:extLst>
+                </a:blip>
+                <a:stretch>
+                  <a:fillRect/>
+                </a:stretch>
+              </p:blipFill>
+              <p:spPr>
+                <a:xfrm>
+                  <a:off x="4406760" y="2700309"/>
+                  <a:ext cx="2024058" cy="382322"/>
+                </a:xfrm>
+                <a:prstGeom prst="rect">
+                  <a:avLst/>
+                </a:prstGeom>
+                <a:ln>
+                  <a:noFill/>
+                </a:ln>
+              </p:spPr>
+            </p:pic>
+            <p:pic>
+              <p:nvPicPr>
+                <p:cNvPr id="4" name="Picture 3" descr="Logo, company name&#10;&#10;Description automatically generated">
+                  <a:extLst>
+                    <a:ext uri="{FF2B5EF4-FFF2-40B4-BE49-F238E27FC236}">
+                      <a16:creationId xmlns:a16="http://schemas.microsoft.com/office/drawing/2014/main" id="{7D20DA7C-7F12-414A-9491-AC4CFC1BC7DF}"/>
+                    </a:ext>
+                  </a:extLst>
+                </p:cNvPr>
+                <p:cNvPicPr>
+                  <a:picLocks noChangeAspect="1"/>
+                </p:cNvPicPr>
+                <p:nvPr/>
+              </p:nvPicPr>
+              <p:blipFill rotWithShape="1">
+                <a:blip r:embed="rId4">
+                  <a:extLst>
+                    <a:ext uri="{28A0092B-C50C-407E-A947-70E740481C1C}">
+                      <a14:useLocalDpi xmlns:a14="http://schemas.microsoft.com/office/drawing/2010/main" val="0"/>
+                    </a:ext>
+                  </a:extLst>
+                </a:blip>
+                <a:srcRect l="14851" t="12959" r="11712" b="15204"/>
+                <a:stretch/>
+              </p:blipFill>
+              <p:spPr>
+                <a:xfrm>
+                  <a:off x="5286895" y="1384946"/>
+                  <a:ext cx="1468919" cy="1077694"/>
+                </a:xfrm>
+                <a:prstGeom prst="rect">
+                  <a:avLst/>
+                </a:prstGeom>
+              </p:spPr>
+            </p:pic>
+          </p:grpSp>
+          <p:sp>
+            <p:nvSpPr>
+              <p:cNvPr id="12" name="TextBox 11">
+                <a:extLst>
+                  <a:ext uri="{FF2B5EF4-FFF2-40B4-BE49-F238E27FC236}">
+                    <a16:creationId xmlns:a16="http://schemas.microsoft.com/office/drawing/2014/main" id="{C61913D5-DA31-437C-A35E-42C4D090CC15}"/>
+                  </a:ext>
+                </a:extLst>
+              </p:cNvPr>
+              <p:cNvSpPr txBox="1"/>
+              <p:nvPr/>
+            </p:nvSpPr>
+            <p:spPr>
+              <a:xfrm>
+                <a:off x="3857398" y="851838"/>
+                <a:ext cx="2795779" cy="646331"/>
+              </a:xfrm>
+              <a:prstGeom prst="rect">
+                <a:avLst/>
+              </a:prstGeom>
+              <a:noFill/>
+            </p:spPr>
+            <p:txBody>
+              <a:bodyPr wrap="square" rtlCol="0">
+                <a:spAutoFit/>
+              </a:bodyPr>
+              <a:lstStyle/>
+              <a:p>
+                <a:pPr algn="ctr"/>
+                <a:r>
+                  <a:rPr lang="en-GB" dirty="0"/>
+                  <a:t>Prototype design control and analysis</a:t>
+                </a:r>
+              </a:p>
+            </p:txBody>
+          </p:sp>
+        </p:grpSp>
+      </p:grpSp>
+    </p:spTree>
+    <p:extLst>
+      <p:ext uri="{BB962C8B-B14F-4D97-AF65-F5344CB8AC3E}">
+        <p14:creationId xmlns:p14="http://schemas.microsoft.com/office/powerpoint/2010/main" val="1432810053"/>
+      </p:ext>
+    </p:extLst>
+  </p:cSld>
+  <p:clrMapOvr>
+    <a:masterClrMapping/>
+  </p:clrMapOvr>
+</p:sld>
+</file>
+
+<file path=ppt/slides/slide3.xml><?xml version="1.0" encoding="utf-8"?>
+<p:sld xmlns:a="http://schemas.openxmlformats.org/drawingml/2006/main" xmlns:r="http://schemas.openxmlformats.org/officeDocument/2006/relationships" xmlns:p="http://schemas.openxmlformats.org/presentationml/2006/main">
+  <p:cSld>
+    <p:spTree>
+      <p:nvGrpSpPr>
+        <p:cNvPr id="1" name=""/>
+        <p:cNvGrpSpPr/>
+        <p:nvPr/>
+      </p:nvGrpSpPr>
+      <p:grpSpPr>
+        <a:xfrm>
+          <a:off x="0" y="0"/>
+          <a:ext cx="0" cy="0"/>
+          <a:chOff x="0" y="0"/>
+          <a:chExt cx="0" cy="0"/>
+        </a:xfrm>
+      </p:grpSpPr>
+      <p:grpSp>
+        <p:nvGrpSpPr>
+          <p:cNvPr id="16" name="Group 15">
+            <a:extLst>
+              <a:ext uri="{FF2B5EF4-FFF2-40B4-BE49-F238E27FC236}">
+                <a16:creationId xmlns:a16="http://schemas.microsoft.com/office/drawing/2014/main" id="{1146C094-B78B-4A57-A112-AB1914DE9348}"/>
+              </a:ext>
+            </a:extLst>
+          </p:cNvPr>
+          <p:cNvGrpSpPr/>
+          <p:nvPr/>
+        </p:nvGrpSpPr>
+        <p:grpSpPr>
+          <a:xfrm>
+            <a:off x="2565918" y="1418253"/>
+            <a:ext cx="3648270" cy="3648269"/>
+            <a:chOff x="2565918" y="1418253"/>
+            <a:chExt cx="3648270" cy="3648269"/>
+          </a:xfrm>
+        </p:grpSpPr>
+        <p:sp>
+          <p:nvSpPr>
+            <p:cNvPr id="12" name="Rectangle 11">
+              <a:extLst>
+                <a:ext uri="{FF2B5EF4-FFF2-40B4-BE49-F238E27FC236}">
+                  <a16:creationId xmlns:a16="http://schemas.microsoft.com/office/drawing/2014/main" id="{9E040B73-531E-4A3B-AEF7-AA8DAD28266B}"/>
+                </a:ext>
+              </a:extLst>
+            </p:cNvPr>
+            <p:cNvSpPr/>
+            <p:nvPr/>
+          </p:nvSpPr>
+          <p:spPr>
+            <a:xfrm>
+              <a:off x="2565918" y="1418253"/>
+              <a:ext cx="3648270" cy="3648269"/>
+            </a:xfrm>
+            <a:prstGeom prst="rect">
+              <a:avLst/>
+            </a:prstGeom>
+            <a:solidFill>
+              <a:schemeClr val="bg1"/>
+            </a:solidFill>
+            <a:ln>
+              <a:noFill/>
+            </a:ln>
+          </p:spPr>
+          <p:style>
+            <a:lnRef idx="2">
+              <a:schemeClr val="accent1">
+                <a:shade val="50000"/>
+              </a:schemeClr>
+            </a:lnRef>
+            <a:fillRef idx="1">
+              <a:schemeClr val="accent1"/>
+            </a:fillRef>
+            <a:effectRef idx="0">
+              <a:schemeClr val="accent1"/>
+            </a:effectRef>
+            <a:fontRef idx="minor">
+              <a:schemeClr val="lt1"/>
+            </a:fontRef>
+          </p:style>
+          <p:txBody>
+            <a:bodyPr rtlCol="0" anchor="ctr"/>
+            <a:lstStyle/>
+            <a:p>
+              <a:pPr algn="ctr"/>
+              <a:endParaRPr lang="en-GB"/>
+            </a:p>
+          </p:txBody>
+        </p:sp>
+        <p:grpSp>
+          <p:nvGrpSpPr>
+            <p:cNvPr id="10" name="Group 9">
+              <a:extLst>
+                <a:ext uri="{FF2B5EF4-FFF2-40B4-BE49-F238E27FC236}">
+                  <a16:creationId xmlns:a16="http://schemas.microsoft.com/office/drawing/2014/main" id="{FA134DF6-CF47-4F99-9055-780C0290BAEE}"/>
+                </a:ext>
+              </a:extLst>
+            </p:cNvPr>
+            <p:cNvGrpSpPr/>
+            <p:nvPr/>
+          </p:nvGrpSpPr>
+          <p:grpSpPr>
+            <a:xfrm>
+              <a:off x="2619058" y="1503609"/>
+              <a:ext cx="3529322" cy="3479655"/>
+              <a:chOff x="2619058" y="1503609"/>
+              <a:chExt cx="3529322" cy="3479655"/>
             </a:xfrm>
           </p:grpSpPr>
           <p:pic>
@@ -3523,7 +4877,7 @@
             </p:blipFill>
             <p:spPr>
               <a:xfrm>
-                <a:off x="6261266" y="3562207"/>
+                <a:off x="5016535" y="3683710"/>
                 <a:ext cx="879566" cy="1012032"/>
               </a:xfrm>
               <a:prstGeom prst="rect">
@@ -3562,46 +4916,8 @@
             </p:blipFill>
             <p:spPr>
               <a:xfrm>
-                <a:off x="5330882" y="2758047"/>
+                <a:off x="4693758" y="2941315"/>
                 <a:ext cx="1454622" cy="546696"/>
-              </a:xfrm>
-              <a:prstGeom prst="rect">
-                <a:avLst/>
-              </a:prstGeom>
-              <a:ln>
-                <a:noFill/>
-              </a:ln>
-            </p:spPr>
-          </p:pic>
-          <p:pic>
-            <p:nvPicPr>
-              <p:cNvPr id="9" name="Picture 8" descr="Logo, company name&#10;&#10;Description automatically generated">
-                <a:extLst>
-                  <a:ext uri="{FF2B5EF4-FFF2-40B4-BE49-F238E27FC236}">
-                    <a16:creationId xmlns:a16="http://schemas.microsoft.com/office/drawing/2014/main" id="{CEB4F4A8-62B5-42F5-BE76-2C747E59A995}"/>
-                  </a:ext>
-                </a:extLst>
-              </p:cNvPr>
-              <p:cNvPicPr>
-                <a:picLocks noChangeAspect="1"/>
-              </p:cNvPicPr>
-              <p:nvPr/>
-            </p:nvPicPr>
-            <p:blipFill rotWithShape="1">
-              <a:blip r:embed="rId4">
-                <a:extLst>
-                  <a:ext uri="{28A0092B-C50C-407E-A947-70E740481C1C}">
-                    <a14:useLocalDpi xmlns:a14="http://schemas.microsoft.com/office/drawing/2010/main" val="0"/>
-                  </a:ext>
-                </a:extLst>
-              </a:blip>
-              <a:srcRect l="21919" r="23393"/>
-              <a:stretch/>
-            </p:blipFill>
-            <p:spPr>
-              <a:xfrm>
-                <a:off x="4196772" y="2530914"/>
-                <a:ext cx="993883" cy="1022277"/>
               </a:xfrm>
               <a:prstGeom prst="rect">
                 <a:avLst/>
@@ -3626,7 +4942,7 @@
               <p:nvPr/>
             </p:nvPicPr>
             <p:blipFill rotWithShape="1">
-              <a:blip r:embed="rId5">
+              <a:blip r:embed="rId4">
                 <a:extLst>
                   <a:ext uri="{28A0092B-C50C-407E-A947-70E740481C1C}">
                     <a14:useLocalDpi xmlns:a14="http://schemas.microsoft.com/office/drawing/2010/main" val="0"/>
@@ -3638,7 +4954,7 @@
             </p:blipFill>
             <p:spPr>
               <a:xfrm>
-                <a:off x="4789150" y="3489091"/>
+                <a:off x="3633276" y="3732334"/>
                 <a:ext cx="1123749" cy="1250930"/>
               </a:xfrm>
               <a:prstGeom prst="rect">
@@ -3664,7 +4980,7 @@
               <p:nvPr/>
             </p:nvPicPr>
             <p:blipFill>
-              <a:blip r:embed="rId6">
+              <a:blip r:embed="rId5">
                 <a:extLst>
                   <a:ext uri="{28A0092B-C50C-407E-A947-70E740481C1C}">
                     <a14:useLocalDpi xmlns:a14="http://schemas.microsoft.com/office/drawing/2010/main" val="0"/>
@@ -3677,7 +4993,7 @@
             </p:blipFill>
             <p:spPr>
               <a:xfrm>
-                <a:off x="6116585" y="2012625"/>
+                <a:off x="3762034" y="2068640"/>
                 <a:ext cx="1168928" cy="667958"/>
               </a:xfrm>
               <a:prstGeom prst="rect">
@@ -3703,7 +5019,7 @@
               <p:nvPr/>
             </p:nvPicPr>
             <p:blipFill>
-              <a:blip r:embed="rId7">
+              <a:blip r:embed="rId6">
                 <a:extLst>
                   <a:ext uri="{28A0092B-C50C-407E-A947-70E740481C1C}">
                     <a14:useLocalDpi xmlns:a14="http://schemas.microsoft.com/office/drawing/2010/main" val="0"/>
@@ -3716,7 +5032,7 @@
             </p:blipFill>
             <p:spPr>
               <a:xfrm>
-                <a:off x="2901850" y="2539931"/>
+                <a:off x="2662191" y="2587897"/>
                 <a:ext cx="1022276" cy="1022276"/>
               </a:xfrm>
               <a:prstGeom prst="rect">
@@ -3729,10 +5045,48 @@
           </p:pic>
           <p:pic>
             <p:nvPicPr>
-              <p:cNvPr id="17" name="Picture 16" descr="Text&#10;&#10;Description automatically generated">
+              <p:cNvPr id="3" name="Picture 2" descr="Shape&#10;&#10;Description automatically generated with medium confidence">
                 <a:extLst>
                   <a:ext uri="{FF2B5EF4-FFF2-40B4-BE49-F238E27FC236}">
-                    <a16:creationId xmlns:a16="http://schemas.microsoft.com/office/drawing/2014/main" id="{69D26714-6270-49DB-BFE6-35F46808CCEF}"/>
+                    <a16:creationId xmlns:a16="http://schemas.microsoft.com/office/drawing/2014/main" id="{9FD7273A-DC21-4558-8041-B0DF95CCF9D2}"/>
+                  </a:ext>
+                </a:extLst>
+              </p:cNvPr>
+              <p:cNvPicPr>
+                <a:picLocks noChangeAspect="1"/>
+              </p:cNvPicPr>
+              <p:nvPr/>
+            </p:nvPicPr>
+            <p:blipFill rotWithShape="1">
+              <a:blip r:embed="rId7">
+                <a:extLst>
+                  <a:ext uri="{28A0092B-C50C-407E-A947-70E740481C1C}">
+                    <a14:useLocalDpi xmlns:a14="http://schemas.microsoft.com/office/drawing/2010/main" val="0"/>
+                  </a:ext>
+                </a:extLst>
+              </a:blip>
+              <a:srcRect l="15942" r="18638"/>
+              <a:stretch/>
+            </p:blipFill>
+            <p:spPr>
+              <a:xfrm>
+                <a:off x="3838260" y="2900487"/>
+                <a:ext cx="700364" cy="602198"/>
+              </a:xfrm>
+              <a:prstGeom prst="rect">
+                <a:avLst/>
+              </a:prstGeom>
+              <a:ln>
+                <a:noFill/>
+              </a:ln>
+            </p:spPr>
+          </p:pic>
+          <p:pic>
+            <p:nvPicPr>
+              <p:cNvPr id="6" name="Picture 5" descr="A picture containing shape&#10;&#10;Description automatically generated">
+                <a:extLst>
+                  <a:ext uri="{FF2B5EF4-FFF2-40B4-BE49-F238E27FC236}">
+                    <a16:creationId xmlns:a16="http://schemas.microsoft.com/office/drawing/2014/main" id="{77811F2E-29C9-48FA-88FF-25DBB5B6CB18}"/>
                   </a:ext>
                 </a:extLst>
               </p:cNvPr>
@@ -3755,8 +5109,8 @@
             </p:blipFill>
             <p:spPr>
               <a:xfrm>
-                <a:off x="3629562" y="1964244"/>
-                <a:ext cx="2024058" cy="382322"/>
+                <a:off x="2619058" y="3800808"/>
+                <a:ext cx="1219202" cy="606553"/>
               </a:xfrm>
               <a:prstGeom prst="rect">
                 <a:avLst/>
@@ -3766,89 +5120,83 @@
               </a:ln>
             </p:spPr>
           </p:pic>
+          <p:pic>
+            <p:nvPicPr>
+              <p:cNvPr id="8" name="Picture 7" descr="Logo&#10;&#10;Description automatically generated">
+                <a:extLst>
+                  <a:ext uri="{FF2B5EF4-FFF2-40B4-BE49-F238E27FC236}">
+                    <a16:creationId xmlns:a16="http://schemas.microsoft.com/office/drawing/2014/main" id="{0D86CAAD-ED7E-40BF-9383-9748C68D2F92}"/>
+                  </a:ext>
+                </a:extLst>
+              </p:cNvPr>
+              <p:cNvPicPr>
+                <a:picLocks noChangeAspect="1"/>
+              </p:cNvPicPr>
+              <p:nvPr/>
+            </p:nvPicPr>
+            <p:blipFill rotWithShape="1">
+              <a:blip r:embed="rId9">
+                <a:extLst>
+                  <a:ext uri="{28A0092B-C50C-407E-A947-70E740481C1C}">
+                    <a14:useLocalDpi xmlns:a14="http://schemas.microsoft.com/office/drawing/2010/main" val="0"/>
+                  </a:ext>
+                </a:extLst>
+              </a:blip>
+              <a:srcRect l="25604" r="26842"/>
+              <a:stretch/>
+            </p:blipFill>
+            <p:spPr>
+              <a:xfrm>
+                <a:off x="5349112" y="1959693"/>
+                <a:ext cx="746888" cy="981622"/>
+              </a:xfrm>
+              <a:prstGeom prst="rect">
+                <a:avLst/>
+              </a:prstGeom>
+            </p:spPr>
+          </p:pic>
+          <p:sp>
+            <p:nvSpPr>
+              <p:cNvPr id="14" name="TextBox 13">
+                <a:extLst>
+                  <a:ext uri="{FF2B5EF4-FFF2-40B4-BE49-F238E27FC236}">
+                    <a16:creationId xmlns:a16="http://schemas.microsoft.com/office/drawing/2014/main" id="{1D3F1385-0A56-4ECD-8139-A6F9ED1E6595}"/>
+                  </a:ext>
+                </a:extLst>
+              </p:cNvPr>
+              <p:cNvSpPr txBox="1"/>
+              <p:nvPr/>
+            </p:nvSpPr>
+            <p:spPr>
+              <a:xfrm>
+                <a:off x="2881955" y="1503609"/>
+                <a:ext cx="3014146" cy="369332"/>
+              </a:xfrm>
+              <a:prstGeom prst="rect">
+                <a:avLst/>
+              </a:prstGeom>
+              <a:noFill/>
+            </p:spPr>
+            <p:txBody>
+              <a:bodyPr wrap="square" rtlCol="0">
+                <a:spAutoFit/>
+              </a:bodyPr>
+              <a:lstStyle/>
+              <a:p>
+                <a:pPr algn="ctr"/>
+                <a:r>
+                  <a:rPr lang="en-GB" dirty="0"/>
+                  <a:t>Web App development</a:t>
+                </a:r>
+              </a:p>
+            </p:txBody>
+          </p:sp>
         </p:grpSp>
-        <p:pic>
-          <p:nvPicPr>
-            <p:cNvPr id="3" name="Picture 2" descr="Shape&#10;&#10;Description automatically generated with medium confidence">
-              <a:extLst>
-                <a:ext uri="{FF2B5EF4-FFF2-40B4-BE49-F238E27FC236}">
-                  <a16:creationId xmlns:a16="http://schemas.microsoft.com/office/drawing/2014/main" id="{9FD7273A-DC21-4558-8041-B0DF95CCF9D2}"/>
-                </a:ext>
-              </a:extLst>
-            </p:cNvPr>
-            <p:cNvPicPr>
-              <a:picLocks noChangeAspect="1"/>
-            </p:cNvPicPr>
-            <p:nvPr/>
-          </p:nvPicPr>
-          <p:blipFill rotWithShape="1">
-            <a:blip r:embed="rId9">
-              <a:extLst>
-                <a:ext uri="{28A0092B-C50C-407E-A947-70E740481C1C}">
-                  <a14:useLocalDpi xmlns:a14="http://schemas.microsoft.com/office/drawing/2010/main" val="0"/>
-                </a:ext>
-              </a:extLst>
-            </a:blip>
-            <a:srcRect l="15942" r="18638"/>
-            <a:stretch/>
-          </p:blipFill>
-          <p:spPr>
-            <a:xfrm>
-              <a:off x="3380216" y="4078117"/>
-              <a:ext cx="700364" cy="602198"/>
-            </a:xfrm>
-            <a:prstGeom prst="rect">
-              <a:avLst/>
-            </a:prstGeom>
-            <a:ln>
-              <a:noFill/>
-            </a:ln>
-          </p:spPr>
-        </p:pic>
-        <p:pic>
-          <p:nvPicPr>
-            <p:cNvPr id="6" name="Picture 5" descr="A picture containing shape&#10;&#10;Description automatically generated">
-              <a:extLst>
-                <a:ext uri="{FF2B5EF4-FFF2-40B4-BE49-F238E27FC236}">
-                  <a16:creationId xmlns:a16="http://schemas.microsoft.com/office/drawing/2014/main" id="{77811F2E-29C9-48FA-88FF-25DBB5B6CB18}"/>
-                </a:ext>
-              </a:extLst>
-            </p:cNvPr>
-            <p:cNvPicPr>
-              <a:picLocks noChangeAspect="1"/>
-            </p:cNvPicPr>
-            <p:nvPr/>
-          </p:nvPicPr>
-          <p:blipFill>
-            <a:blip r:embed="rId10">
-              <a:extLst>
-                <a:ext uri="{28A0092B-C50C-407E-A947-70E740481C1C}">
-                  <a14:useLocalDpi xmlns:a14="http://schemas.microsoft.com/office/drawing/2010/main" val="0"/>
-                </a:ext>
-              </a:extLst>
-            </a:blip>
-            <a:stretch>
-              <a:fillRect/>
-            </a:stretch>
-          </p:blipFill>
-          <p:spPr>
-            <a:xfrm>
-              <a:off x="2896180" y="3520642"/>
-              <a:ext cx="1219202" cy="606553"/>
-            </a:xfrm>
-            <a:prstGeom prst="rect">
-              <a:avLst/>
-            </a:prstGeom>
-            <a:ln>
-              <a:noFill/>
-            </a:ln>
-          </p:spPr>
-        </p:pic>
       </p:grpSp>
     </p:spTree>
     <p:extLst>
       <p:ext uri="{BB962C8B-B14F-4D97-AF65-F5344CB8AC3E}">
-        <p14:creationId xmlns:p14="http://schemas.microsoft.com/office/powerpoint/2010/main" val="2464750461"/>
+        <p14:creationId xmlns:p14="http://schemas.microsoft.com/office/powerpoint/2010/main" val="2223590909"/>
       </p:ext>
     </p:extLst>
   </p:cSld>
